--- a/1.ArchitectureDossier/tools/05.Architecture Overview/Images_ARCHITECTURE.pptx
+++ b/1.ArchitectureDossier/tools/05.Architecture Overview/Images_ARCHITECTURE.pptx
@@ -6,6 +6,7 @@
   </p:sldMasterIdLst>
   <p:sldIdLst>
     <p:sldId id="256" r:id="rId2"/>
+    <p:sldId id="257" r:id="rId3"/>
   </p:sldIdLst>
   <p:sldSz cx="12192000" cy="6858000"/>
   <p:notesSz cx="6858000" cy="9144000"/>
@@ -259,7 +260,7 @@
           <a:p>
             <a:fld id="{CBB70326-2A34-8846-B4C5-C0C77786F12B}" type="datetimeFigureOut">
               <a:rPr lang="en-US" smtClean="0"/>
-              <a:t>6/15/18</a:t>
+              <a:t>5/1/19</a:t>
             </a:fld>
             <a:endParaRPr lang="en-US"/>
           </a:p>
@@ -457,7 +458,7 @@
           <a:p>
             <a:fld id="{CBB70326-2A34-8846-B4C5-C0C77786F12B}" type="datetimeFigureOut">
               <a:rPr lang="en-US" smtClean="0"/>
-              <a:t>6/15/18</a:t>
+              <a:t>5/1/19</a:t>
             </a:fld>
             <a:endParaRPr lang="en-US"/>
           </a:p>
@@ -665,7 +666,7 @@
           <a:p>
             <a:fld id="{CBB70326-2A34-8846-B4C5-C0C77786F12B}" type="datetimeFigureOut">
               <a:rPr lang="en-US" smtClean="0"/>
-              <a:t>6/15/18</a:t>
+              <a:t>5/1/19</a:t>
             </a:fld>
             <a:endParaRPr lang="en-US"/>
           </a:p>
@@ -863,7 +864,7 @@
           <a:p>
             <a:fld id="{CBB70326-2A34-8846-B4C5-C0C77786F12B}" type="datetimeFigureOut">
               <a:rPr lang="en-US" smtClean="0"/>
-              <a:t>6/15/18</a:t>
+              <a:t>5/1/19</a:t>
             </a:fld>
             <a:endParaRPr lang="en-US"/>
           </a:p>
@@ -1138,7 +1139,7 @@
           <a:p>
             <a:fld id="{CBB70326-2A34-8846-B4C5-C0C77786F12B}" type="datetimeFigureOut">
               <a:rPr lang="en-US" smtClean="0"/>
-              <a:t>6/15/18</a:t>
+              <a:t>5/1/19</a:t>
             </a:fld>
             <a:endParaRPr lang="en-US"/>
           </a:p>
@@ -1403,7 +1404,7 @@
           <a:p>
             <a:fld id="{CBB70326-2A34-8846-B4C5-C0C77786F12B}" type="datetimeFigureOut">
               <a:rPr lang="en-US" smtClean="0"/>
-              <a:t>6/15/18</a:t>
+              <a:t>5/1/19</a:t>
             </a:fld>
             <a:endParaRPr lang="en-US"/>
           </a:p>
@@ -1815,7 +1816,7 @@
           <a:p>
             <a:fld id="{CBB70326-2A34-8846-B4C5-C0C77786F12B}" type="datetimeFigureOut">
               <a:rPr lang="en-US" smtClean="0"/>
-              <a:t>6/15/18</a:t>
+              <a:t>5/1/19</a:t>
             </a:fld>
             <a:endParaRPr lang="en-US"/>
           </a:p>
@@ -1956,7 +1957,7 @@
           <a:p>
             <a:fld id="{CBB70326-2A34-8846-B4C5-C0C77786F12B}" type="datetimeFigureOut">
               <a:rPr lang="en-US" smtClean="0"/>
-              <a:t>6/15/18</a:t>
+              <a:t>5/1/19</a:t>
             </a:fld>
             <a:endParaRPr lang="en-US"/>
           </a:p>
@@ -2069,7 +2070,7 @@
           <a:p>
             <a:fld id="{CBB70326-2A34-8846-B4C5-C0C77786F12B}" type="datetimeFigureOut">
               <a:rPr lang="en-US" smtClean="0"/>
-              <a:t>6/15/18</a:t>
+              <a:t>5/1/19</a:t>
             </a:fld>
             <a:endParaRPr lang="en-US"/>
           </a:p>
@@ -2380,7 +2381,7 @@
           <a:p>
             <a:fld id="{CBB70326-2A34-8846-B4C5-C0C77786F12B}" type="datetimeFigureOut">
               <a:rPr lang="en-US" smtClean="0"/>
-              <a:t>6/15/18</a:t>
+              <a:t>5/1/19</a:t>
             </a:fld>
             <a:endParaRPr lang="en-US"/>
           </a:p>
@@ -2668,7 +2669,7 @@
           <a:p>
             <a:fld id="{CBB70326-2A34-8846-B4C5-C0C77786F12B}" type="datetimeFigureOut">
               <a:rPr lang="en-US" smtClean="0"/>
-              <a:t>6/15/18</a:t>
+              <a:t>5/1/19</a:t>
             </a:fld>
             <a:endParaRPr lang="en-US"/>
           </a:p>
@@ -2909,7 +2910,7 @@
           <a:p>
             <a:fld id="{CBB70326-2A34-8846-B4C5-C0C77786F12B}" type="datetimeFigureOut">
               <a:rPr lang="en-US" smtClean="0"/>
-              <a:t>6/15/18</a:t>
+              <a:t>5/1/19</a:t>
             </a:fld>
             <a:endParaRPr lang="en-US"/>
           </a:p>
@@ -3340,6 +3341,895 @@
         </p:nvSpPr>
         <p:spPr>
           <a:xfrm>
+            <a:off x="466159" y="208203"/>
+            <a:ext cx="8183577" cy="5751172"/>
+          </a:xfrm>
+          <a:prstGeom prst="roundRect">
+            <a:avLst>
+              <a:gd name="adj" fmla="val 1174"/>
+            </a:avLst>
+          </a:prstGeom>
+          <a:solidFill>
+            <a:srgbClr val="004266"/>
+          </a:solidFill>
+          <a:ln w="44450" cap="flat" cmpd="sng" algn="ctr">
+            <a:noFill/>
+            <a:prstDash val="solid"/>
+          </a:ln>
+          <a:effectLst/>
+        </p:spPr>
+        <p:txBody>
+          <a:bodyPr rot="0" spcFirstLastPara="0" vertOverflow="overflow" horzOverflow="overflow" vert="horz" wrap="square" lIns="91440" tIns="45720" rIns="91440" bIns="45720" numCol="1" spcCol="0" rtlCol="0" fromWordArt="0" anchor="b" anchorCtr="0" forceAA="0" compatLnSpc="1">
+            <a:prstTxWarp prst="textNoShape">
+              <a:avLst/>
+            </a:prstTxWarp>
+            <a:noAutofit/>
+          </a:bodyPr>
+          <a:lstStyle/>
+          <a:p>
+            <a:pPr marL="0" marR="0" lvl="0" indent="0" algn="r" defTabSz="914400" eaLnBrk="1" fontAlgn="auto" latinLnBrk="0" hangingPunct="1">
+              <a:lnSpc>
+                <a:spcPct val="100000"/>
+              </a:lnSpc>
+              <a:spcBef>
+                <a:spcPts val="0"/>
+              </a:spcBef>
+              <a:spcAft>
+                <a:spcPts val="0"/>
+              </a:spcAft>
+              <a:buClrTx/>
+              <a:buSzTx/>
+              <a:buFontTx/>
+              <a:buNone/>
+              <a:tabLst/>
+              <a:defRPr/>
+            </a:pPr>
+            <a:r>
+              <a:rPr kumimoji="0" lang="en-US" sz="1200" b="1" i="0" u="none" strike="noStrike" kern="0" cap="none" spc="0" normalizeH="0" baseline="0" noProof="0" dirty="0">
+                <a:ln>
+                  <a:noFill/>
+                </a:ln>
+                <a:solidFill>
+                  <a:prstClr val="white"/>
+                </a:solidFill>
+                <a:effectLst/>
+                <a:uLnTx/>
+                <a:uFillTx/>
+                <a:latin typeface="IBM Plex Sans Condensed Text" panose="020B0506050203000203" pitchFamily="34" charset="77"/>
+                <a:ea typeface="+mn-ea"/>
+                <a:cs typeface="+mn-cs"/>
+              </a:rPr>
+              <a:t>BEYOND Platform</a:t>
+            </a:r>
+          </a:p>
+        </p:txBody>
+      </p:sp>
+      <p:sp>
+        <p:nvSpPr>
+          <p:cNvPr id="56" name="Footer Placeholder 3">
+            <a:extLst>
+              <a:ext uri="{FF2B5EF4-FFF2-40B4-BE49-F238E27FC236}">
+                <a16:creationId xmlns:a16="http://schemas.microsoft.com/office/drawing/2014/main" id="{FABE2B3C-F876-2E4A-A4C9-B623537046E8}"/>
+              </a:ext>
+            </a:extLst>
+          </p:cNvPr>
+          <p:cNvSpPr txBox="1">
+            <a:spLocks/>
+          </p:cNvSpPr>
+          <p:nvPr/>
+        </p:nvSpPr>
+        <p:spPr>
+          <a:xfrm>
+            <a:off x="-5100034" y="13831"/>
+            <a:ext cx="0" cy="0"/>
+          </a:xfrm>
+        </p:spPr>
+        <p:txBody>
+          <a:bodyPr/>
+          <a:lstStyle>
+            <a:defPPr>
+              <a:defRPr lang="fr-FR"/>
+            </a:defPPr>
+            <a:lvl1pPr marL="0" algn="l" defTabSz="914400" rtl="0" eaLnBrk="1" latinLnBrk="0" hangingPunct="1">
+              <a:defRPr sz="1800" kern="1200">
+                <a:solidFill>
+                  <a:schemeClr val="tx1"/>
+                </a:solidFill>
+                <a:latin typeface="+mn-lt"/>
+                <a:ea typeface="+mn-ea"/>
+                <a:cs typeface="+mn-cs"/>
+              </a:defRPr>
+            </a:lvl1pPr>
+            <a:lvl2pPr marL="457200" algn="l" defTabSz="914400" rtl="0" eaLnBrk="1" latinLnBrk="0" hangingPunct="1">
+              <a:defRPr sz="1800" kern="1200">
+                <a:solidFill>
+                  <a:schemeClr val="tx1"/>
+                </a:solidFill>
+                <a:latin typeface="+mn-lt"/>
+                <a:ea typeface="+mn-ea"/>
+                <a:cs typeface="+mn-cs"/>
+              </a:defRPr>
+            </a:lvl2pPr>
+            <a:lvl3pPr marL="914400" algn="l" defTabSz="914400" rtl="0" eaLnBrk="1" latinLnBrk="0" hangingPunct="1">
+              <a:defRPr sz="1800" kern="1200">
+                <a:solidFill>
+                  <a:schemeClr val="tx1"/>
+                </a:solidFill>
+                <a:latin typeface="+mn-lt"/>
+                <a:ea typeface="+mn-ea"/>
+                <a:cs typeface="+mn-cs"/>
+              </a:defRPr>
+            </a:lvl3pPr>
+            <a:lvl4pPr marL="1371600" algn="l" defTabSz="914400" rtl="0" eaLnBrk="1" latinLnBrk="0" hangingPunct="1">
+              <a:defRPr sz="1800" kern="1200">
+                <a:solidFill>
+                  <a:schemeClr val="tx1"/>
+                </a:solidFill>
+                <a:latin typeface="+mn-lt"/>
+                <a:ea typeface="+mn-ea"/>
+                <a:cs typeface="+mn-cs"/>
+              </a:defRPr>
+            </a:lvl4pPr>
+            <a:lvl5pPr marL="1828800" algn="l" defTabSz="914400" rtl="0" eaLnBrk="1" latinLnBrk="0" hangingPunct="1">
+              <a:defRPr sz="1800" kern="1200">
+                <a:solidFill>
+                  <a:schemeClr val="tx1"/>
+                </a:solidFill>
+                <a:latin typeface="+mn-lt"/>
+                <a:ea typeface="+mn-ea"/>
+                <a:cs typeface="+mn-cs"/>
+              </a:defRPr>
+            </a:lvl5pPr>
+            <a:lvl6pPr marL="2286000" algn="l" defTabSz="914400" rtl="0" eaLnBrk="1" latinLnBrk="0" hangingPunct="1">
+              <a:defRPr sz="1800" kern="1200">
+                <a:solidFill>
+                  <a:schemeClr val="tx1"/>
+                </a:solidFill>
+                <a:latin typeface="+mn-lt"/>
+                <a:ea typeface="+mn-ea"/>
+                <a:cs typeface="+mn-cs"/>
+              </a:defRPr>
+            </a:lvl6pPr>
+            <a:lvl7pPr marL="2743200" algn="l" defTabSz="914400" rtl="0" eaLnBrk="1" latinLnBrk="0" hangingPunct="1">
+              <a:defRPr sz="1800" kern="1200">
+                <a:solidFill>
+                  <a:schemeClr val="tx1"/>
+                </a:solidFill>
+                <a:latin typeface="+mn-lt"/>
+                <a:ea typeface="+mn-ea"/>
+                <a:cs typeface="+mn-cs"/>
+              </a:defRPr>
+            </a:lvl7pPr>
+            <a:lvl8pPr marL="3200400" algn="l" defTabSz="914400" rtl="0" eaLnBrk="1" latinLnBrk="0" hangingPunct="1">
+              <a:defRPr sz="1800" kern="1200">
+                <a:solidFill>
+                  <a:schemeClr val="tx1"/>
+                </a:solidFill>
+                <a:latin typeface="+mn-lt"/>
+                <a:ea typeface="+mn-ea"/>
+                <a:cs typeface="+mn-cs"/>
+              </a:defRPr>
+            </a:lvl8pPr>
+            <a:lvl9pPr marL="3657600" algn="l" defTabSz="914400" rtl="0" eaLnBrk="1" latinLnBrk="0" hangingPunct="1">
+              <a:defRPr sz="1800" kern="1200">
+                <a:solidFill>
+                  <a:schemeClr val="tx1"/>
+                </a:solidFill>
+                <a:latin typeface="+mn-lt"/>
+                <a:ea typeface="+mn-ea"/>
+                <a:cs typeface="+mn-cs"/>
+              </a:defRPr>
+            </a:lvl9pPr>
+          </a:lstStyle>
+          <a:p>
+            <a:endParaRPr lang="fr-FR">
+              <a:solidFill>
+                <a:prstClr val="black"/>
+              </a:solidFill>
+              <a:latin typeface="Arial"/>
+            </a:endParaRPr>
+          </a:p>
+          <a:p>
+            <a:endParaRPr lang="fr-FR" dirty="0">
+              <a:solidFill>
+                <a:prstClr val="black"/>
+              </a:solidFill>
+              <a:latin typeface="Arial"/>
+            </a:endParaRPr>
+          </a:p>
+        </p:txBody>
+      </p:sp>
+      <p:sp>
+        <p:nvSpPr>
+          <p:cNvPr id="52" name="Rounded Rectangle 51">
+            <a:extLst>
+              <a:ext uri="{FF2B5EF4-FFF2-40B4-BE49-F238E27FC236}">
+                <a16:creationId xmlns:a16="http://schemas.microsoft.com/office/drawing/2014/main" id="{62D82738-5E31-304B-BA69-A28637447754}"/>
+              </a:ext>
+            </a:extLst>
+          </p:cNvPr>
+          <p:cNvSpPr/>
+          <p:nvPr/>
+        </p:nvSpPr>
+        <p:spPr>
+          <a:xfrm>
+            <a:off x="2757947" y="1743647"/>
+            <a:ext cx="1800000" cy="1080000"/>
+          </a:xfrm>
+          <a:prstGeom prst="roundRect">
+            <a:avLst>
+              <a:gd name="adj" fmla="val 1174"/>
+            </a:avLst>
+          </a:prstGeom>
+          <a:solidFill>
+            <a:srgbClr val="008ABF"/>
+          </a:solidFill>
+          <a:ln w="44450" cap="flat" cmpd="sng" algn="ctr">
+            <a:noFill/>
+            <a:prstDash val="solid"/>
+          </a:ln>
+          <a:effectLst/>
+        </p:spPr>
+        <p:txBody>
+          <a:bodyPr rot="0" spcFirstLastPara="0" vertOverflow="overflow" horzOverflow="overflow" vert="horz" wrap="square" lIns="91440" tIns="45720" rIns="91440" bIns="45720" numCol="1" spcCol="0" rtlCol="0" fromWordArt="0" anchor="b" anchorCtr="0" forceAA="0" compatLnSpc="1">
+            <a:prstTxWarp prst="textNoShape">
+              <a:avLst/>
+            </a:prstTxWarp>
+            <a:noAutofit/>
+          </a:bodyPr>
+          <a:lstStyle/>
+          <a:p>
+            <a:pPr marL="0" marR="0" lvl="0" indent="0" algn="r" defTabSz="914400" eaLnBrk="1" fontAlgn="auto" latinLnBrk="0" hangingPunct="1">
+              <a:lnSpc>
+                <a:spcPct val="100000"/>
+              </a:lnSpc>
+              <a:spcBef>
+                <a:spcPts val="0"/>
+              </a:spcBef>
+              <a:spcAft>
+                <a:spcPts val="0"/>
+              </a:spcAft>
+              <a:buClrTx/>
+              <a:buSzTx/>
+              <a:buFontTx/>
+              <a:buNone/>
+              <a:tabLst/>
+              <a:defRPr/>
+            </a:pPr>
+            <a:r>
+              <a:rPr kumimoji="0" lang="en-US" sz="1200" b="1" i="0" u="none" strike="noStrike" kern="0" cap="none" spc="0" normalizeH="0" baseline="0" noProof="0" dirty="0">
+                <a:ln>
+                  <a:noFill/>
+                </a:ln>
+                <a:solidFill>
+                  <a:prstClr val="white"/>
+                </a:solidFill>
+                <a:effectLst/>
+                <a:uLnTx/>
+                <a:uFillTx/>
+                <a:latin typeface="IBM Plex Sans Condensed Text" panose="020B0506050203000203" pitchFamily="34" charset="77"/>
+                <a:ea typeface="+mn-ea"/>
+                <a:cs typeface="+mn-cs"/>
+              </a:rPr>
+              <a:t>Module Security Management</a:t>
+            </a:r>
+          </a:p>
+        </p:txBody>
+      </p:sp>
+      <p:sp>
+        <p:nvSpPr>
+          <p:cNvPr id="53" name="Rounded Rectangle 52">
+            <a:extLst>
+              <a:ext uri="{FF2B5EF4-FFF2-40B4-BE49-F238E27FC236}">
+                <a16:creationId xmlns:a16="http://schemas.microsoft.com/office/drawing/2014/main" id="{807F224E-4946-264F-81DF-0CD4332C0123}"/>
+              </a:ext>
+            </a:extLst>
+          </p:cNvPr>
+          <p:cNvSpPr/>
+          <p:nvPr/>
+        </p:nvSpPr>
+        <p:spPr>
+          <a:xfrm>
+            <a:off x="2757947" y="501001"/>
+            <a:ext cx="1800000" cy="1080000"/>
+          </a:xfrm>
+          <a:prstGeom prst="roundRect">
+            <a:avLst>
+              <a:gd name="adj" fmla="val 1174"/>
+            </a:avLst>
+          </a:prstGeom>
+          <a:solidFill>
+            <a:srgbClr val="008ABF"/>
+          </a:solidFill>
+          <a:ln w="44450" cap="flat" cmpd="sng" algn="ctr">
+            <a:noFill/>
+            <a:prstDash val="solid"/>
+          </a:ln>
+          <a:effectLst/>
+        </p:spPr>
+        <p:txBody>
+          <a:bodyPr rot="0" spcFirstLastPara="0" vertOverflow="overflow" horzOverflow="overflow" vert="horz" wrap="square" lIns="91440" tIns="45720" rIns="91440" bIns="45720" numCol="1" spcCol="0" rtlCol="0" fromWordArt="0" anchor="b" anchorCtr="0" forceAA="0" compatLnSpc="1">
+            <a:prstTxWarp prst="textNoShape">
+              <a:avLst/>
+            </a:prstTxWarp>
+            <a:noAutofit/>
+          </a:bodyPr>
+          <a:lstStyle/>
+          <a:p>
+            <a:pPr marL="0" marR="0" lvl="0" indent="0" algn="r" defTabSz="914400" eaLnBrk="1" fontAlgn="auto" latinLnBrk="0" hangingPunct="1">
+              <a:lnSpc>
+                <a:spcPct val="100000"/>
+              </a:lnSpc>
+              <a:spcBef>
+                <a:spcPts val="0"/>
+              </a:spcBef>
+              <a:spcAft>
+                <a:spcPts val="0"/>
+              </a:spcAft>
+              <a:buClrTx/>
+              <a:buSzTx/>
+              <a:buFontTx/>
+              <a:buNone/>
+              <a:tabLst/>
+              <a:defRPr/>
+            </a:pPr>
+            <a:r>
+              <a:rPr kumimoji="0" lang="en-US" sz="1200" b="1" i="0" u="none" strike="noStrike" kern="0" cap="none" spc="0" normalizeH="0" baseline="0" noProof="0" dirty="0">
+                <a:ln>
+                  <a:noFill/>
+                </a:ln>
+                <a:solidFill>
+                  <a:prstClr val="white"/>
+                </a:solidFill>
+                <a:effectLst/>
+                <a:uLnTx/>
+                <a:uFillTx/>
+                <a:latin typeface="IBM Plex Sans Condensed Text" panose="020B0506050203000203" pitchFamily="34" charset="77"/>
+                <a:ea typeface="+mn-ea"/>
+                <a:cs typeface="+mn-cs"/>
+              </a:rPr>
+              <a:t>Module Client</a:t>
+            </a:r>
+          </a:p>
+        </p:txBody>
+      </p:sp>
+      <p:sp>
+        <p:nvSpPr>
+          <p:cNvPr id="80" name="Rounded Rectangle 79">
+            <a:extLst>
+              <a:ext uri="{FF2B5EF4-FFF2-40B4-BE49-F238E27FC236}">
+                <a16:creationId xmlns:a16="http://schemas.microsoft.com/office/drawing/2014/main" id="{0021B74B-EE74-6140-93ED-8643F3069803}"/>
+              </a:ext>
+            </a:extLst>
+          </p:cNvPr>
+          <p:cNvSpPr/>
+          <p:nvPr/>
+        </p:nvSpPr>
+        <p:spPr>
+          <a:xfrm>
+            <a:off x="3927978" y="3776430"/>
+            <a:ext cx="1800000" cy="1080000"/>
+          </a:xfrm>
+          <a:prstGeom prst="roundRect">
+            <a:avLst>
+              <a:gd name="adj" fmla="val 1174"/>
+            </a:avLst>
+          </a:prstGeom>
+          <a:solidFill>
+            <a:srgbClr val="008ABF"/>
+          </a:solidFill>
+          <a:ln w="44450" cap="flat" cmpd="sng" algn="ctr">
+            <a:noFill/>
+            <a:prstDash val="solid"/>
+          </a:ln>
+          <a:effectLst/>
+        </p:spPr>
+        <p:txBody>
+          <a:bodyPr rot="0" spcFirstLastPara="0" vertOverflow="overflow" horzOverflow="overflow" vert="horz" wrap="square" lIns="91440" tIns="45720" rIns="91440" bIns="45720" numCol="1" spcCol="0" rtlCol="0" fromWordArt="0" anchor="b" anchorCtr="0" forceAA="0" compatLnSpc="1">
+            <a:prstTxWarp prst="textNoShape">
+              <a:avLst/>
+            </a:prstTxWarp>
+            <a:noAutofit/>
+          </a:bodyPr>
+          <a:lstStyle/>
+          <a:p>
+            <a:pPr marL="0" marR="0" lvl="0" indent="0" algn="r" defTabSz="914400" eaLnBrk="1" fontAlgn="auto" latinLnBrk="0" hangingPunct="1">
+              <a:lnSpc>
+                <a:spcPct val="100000"/>
+              </a:lnSpc>
+              <a:spcBef>
+                <a:spcPts val="0"/>
+              </a:spcBef>
+              <a:spcAft>
+                <a:spcPts val="0"/>
+              </a:spcAft>
+              <a:buClrTx/>
+              <a:buSzTx/>
+              <a:buFontTx/>
+              <a:buNone/>
+              <a:tabLst/>
+              <a:defRPr/>
+            </a:pPr>
+            <a:r>
+              <a:rPr kumimoji="0" lang="en-US" sz="1200" b="1" i="0" u="none" strike="noStrike" kern="0" cap="none" spc="0" normalizeH="0" baseline="0" noProof="0" dirty="0">
+                <a:ln>
+                  <a:noFill/>
+                </a:ln>
+                <a:solidFill>
+                  <a:prstClr val="white"/>
+                </a:solidFill>
+                <a:effectLst/>
+                <a:uLnTx/>
+                <a:uFillTx/>
+                <a:latin typeface="IBM Plex Sans Condensed Text" panose="020B0506050203000203" pitchFamily="34" charset="77"/>
+                <a:ea typeface="+mn-ea"/>
+                <a:cs typeface="+mn-cs"/>
+              </a:rPr>
+              <a:t>Module Data Factory</a:t>
+            </a:r>
+          </a:p>
+        </p:txBody>
+      </p:sp>
+      <p:sp>
+        <p:nvSpPr>
+          <p:cNvPr id="101" name="Rounded Rectangle 100">
+            <a:extLst>
+              <a:ext uri="{FF2B5EF4-FFF2-40B4-BE49-F238E27FC236}">
+                <a16:creationId xmlns:a16="http://schemas.microsoft.com/office/drawing/2014/main" id="{D1C5B5DC-B88F-7F4A-9D70-D191FC87624F}"/>
+              </a:ext>
+            </a:extLst>
+          </p:cNvPr>
+          <p:cNvSpPr/>
+          <p:nvPr/>
+        </p:nvSpPr>
+        <p:spPr>
+          <a:xfrm>
+            <a:off x="4648597" y="1814609"/>
+            <a:ext cx="1800000" cy="1080000"/>
+          </a:xfrm>
+          <a:prstGeom prst="roundRect">
+            <a:avLst>
+              <a:gd name="adj" fmla="val 1174"/>
+            </a:avLst>
+          </a:prstGeom>
+          <a:solidFill>
+            <a:srgbClr val="008ABF"/>
+          </a:solidFill>
+          <a:ln w="44450" cap="flat" cmpd="sng" algn="ctr">
+            <a:noFill/>
+            <a:prstDash val="solid"/>
+          </a:ln>
+          <a:effectLst/>
+        </p:spPr>
+        <p:txBody>
+          <a:bodyPr rot="0" spcFirstLastPara="0" vertOverflow="overflow" horzOverflow="overflow" vert="horz" wrap="square" lIns="91440" tIns="45720" rIns="91440" bIns="45720" numCol="1" spcCol="0" rtlCol="0" fromWordArt="0" anchor="b" anchorCtr="0" forceAA="0" compatLnSpc="1">
+            <a:prstTxWarp prst="textNoShape">
+              <a:avLst/>
+            </a:prstTxWarp>
+            <a:noAutofit/>
+          </a:bodyPr>
+          <a:lstStyle/>
+          <a:p>
+            <a:pPr marL="0" marR="0" lvl="0" indent="0" algn="r" defTabSz="914400" eaLnBrk="1" fontAlgn="auto" latinLnBrk="0" hangingPunct="1">
+              <a:lnSpc>
+                <a:spcPct val="100000"/>
+              </a:lnSpc>
+              <a:spcBef>
+                <a:spcPts val="0"/>
+              </a:spcBef>
+              <a:spcAft>
+                <a:spcPts val="0"/>
+              </a:spcAft>
+              <a:buClrTx/>
+              <a:buSzTx/>
+              <a:buFontTx/>
+              <a:buNone/>
+              <a:tabLst/>
+              <a:defRPr/>
+            </a:pPr>
+            <a:r>
+              <a:rPr kumimoji="0" lang="en-US" sz="1200" b="1" i="0" u="none" strike="noStrike" kern="0" cap="none" spc="0" normalizeH="0" baseline="0" noProof="0" dirty="0">
+                <a:ln>
+                  <a:noFill/>
+                </a:ln>
+                <a:solidFill>
+                  <a:prstClr val="white"/>
+                </a:solidFill>
+                <a:effectLst/>
+                <a:uLnTx/>
+                <a:uFillTx/>
+                <a:latin typeface="IBM Plex Sans Condensed Text" panose="020B0506050203000203" pitchFamily="34" charset="77"/>
+                <a:ea typeface="+mn-ea"/>
+                <a:cs typeface="+mn-cs"/>
+              </a:rPr>
+              <a:t>Module Business services</a:t>
+            </a:r>
+          </a:p>
+        </p:txBody>
+      </p:sp>
+      <p:sp>
+        <p:nvSpPr>
+          <p:cNvPr id="104" name="Rounded Rectangle 103">
+            <a:extLst>
+              <a:ext uri="{FF2B5EF4-FFF2-40B4-BE49-F238E27FC236}">
+                <a16:creationId xmlns:a16="http://schemas.microsoft.com/office/drawing/2014/main" id="{FE23557F-E807-3649-93BD-F989CAB5107B}"/>
+              </a:ext>
+            </a:extLst>
+          </p:cNvPr>
+          <p:cNvSpPr/>
+          <p:nvPr/>
+        </p:nvSpPr>
+        <p:spPr>
+          <a:xfrm>
+            <a:off x="4665397" y="505231"/>
+            <a:ext cx="1800000" cy="1080000"/>
+          </a:xfrm>
+          <a:prstGeom prst="roundRect">
+            <a:avLst>
+              <a:gd name="adj" fmla="val 1174"/>
+            </a:avLst>
+          </a:prstGeom>
+          <a:solidFill>
+            <a:srgbClr val="008ABF"/>
+          </a:solidFill>
+          <a:ln w="44450" cap="flat" cmpd="sng" algn="ctr">
+            <a:noFill/>
+            <a:prstDash val="solid"/>
+          </a:ln>
+          <a:effectLst/>
+        </p:spPr>
+        <p:txBody>
+          <a:bodyPr rot="0" spcFirstLastPara="0" vertOverflow="overflow" horzOverflow="overflow" vert="horz" wrap="square" lIns="91440" tIns="45720" rIns="91440" bIns="45720" numCol="1" spcCol="0" rtlCol="0" fromWordArt="0" anchor="b" anchorCtr="0" forceAA="0" compatLnSpc="1">
+            <a:prstTxWarp prst="textNoShape">
+              <a:avLst/>
+            </a:prstTxWarp>
+            <a:noAutofit/>
+          </a:bodyPr>
+          <a:lstStyle/>
+          <a:p>
+            <a:pPr marL="0" marR="0" lvl="0" indent="0" algn="r" defTabSz="914400" eaLnBrk="1" fontAlgn="auto" latinLnBrk="0" hangingPunct="1">
+              <a:lnSpc>
+                <a:spcPct val="100000"/>
+              </a:lnSpc>
+              <a:spcBef>
+                <a:spcPts val="0"/>
+              </a:spcBef>
+              <a:spcAft>
+                <a:spcPts val="0"/>
+              </a:spcAft>
+              <a:buClrTx/>
+              <a:buSzTx/>
+              <a:buFontTx/>
+              <a:buNone/>
+              <a:tabLst/>
+              <a:defRPr/>
+            </a:pPr>
+            <a:r>
+              <a:rPr kumimoji="0" lang="en-US" sz="1200" b="1" i="0" u="none" strike="noStrike" kern="0" cap="none" spc="0" normalizeH="0" baseline="0" noProof="0" dirty="0">
+                <a:ln>
+                  <a:noFill/>
+                </a:ln>
+                <a:solidFill>
+                  <a:prstClr val="white"/>
+                </a:solidFill>
+                <a:effectLst/>
+                <a:uLnTx/>
+                <a:uFillTx/>
+                <a:latin typeface="IBM Plex Sans Condensed Text" panose="020B0506050203000203" pitchFamily="34" charset="77"/>
+                <a:ea typeface="+mn-ea"/>
+                <a:cs typeface="+mn-cs"/>
+              </a:rPr>
+              <a:t>Module </a:t>
+            </a:r>
+            <a:r>
+              <a:rPr kumimoji="0" lang="en-US" sz="1200" b="1" i="0" u="none" strike="noStrike" kern="0" cap="none" spc="0" normalizeH="0" baseline="0" noProof="0">
+                <a:ln>
+                  <a:noFill/>
+                </a:ln>
+                <a:solidFill>
+                  <a:prstClr val="white"/>
+                </a:solidFill>
+                <a:effectLst/>
+                <a:uLnTx/>
+                <a:uFillTx/>
+                <a:latin typeface="IBM Plex Sans Condensed Text" panose="020B0506050203000203" pitchFamily="34" charset="77"/>
+                <a:ea typeface="+mn-ea"/>
+                <a:cs typeface="+mn-cs"/>
+              </a:rPr>
+              <a:t>Vente</a:t>
+            </a:r>
+            <a:endParaRPr kumimoji="0" lang="en-US" sz="1200" b="1" i="0" u="none" strike="noStrike" kern="0" cap="none" spc="0" normalizeH="0" baseline="0" noProof="0" dirty="0">
+              <a:ln>
+                <a:noFill/>
+              </a:ln>
+              <a:solidFill>
+                <a:prstClr val="white"/>
+              </a:solidFill>
+              <a:effectLst/>
+              <a:uLnTx/>
+              <a:uFillTx/>
+              <a:latin typeface="IBM Plex Sans Condensed Text" panose="020B0506050203000203" pitchFamily="34" charset="77"/>
+              <a:ea typeface="+mn-ea"/>
+              <a:cs typeface="+mn-cs"/>
+            </a:endParaRPr>
+          </a:p>
+        </p:txBody>
+      </p:sp>
+      <p:sp>
+        <p:nvSpPr>
+          <p:cNvPr id="105" name="Rounded Rectangle 104">
+            <a:extLst>
+              <a:ext uri="{FF2B5EF4-FFF2-40B4-BE49-F238E27FC236}">
+                <a16:creationId xmlns:a16="http://schemas.microsoft.com/office/drawing/2014/main" id="{D7B8E046-92FE-FA4B-BA41-794E5E6E5AF7}"/>
+              </a:ext>
+            </a:extLst>
+          </p:cNvPr>
+          <p:cNvSpPr/>
+          <p:nvPr/>
+        </p:nvSpPr>
+        <p:spPr>
+          <a:xfrm>
+            <a:off x="5838857" y="3776430"/>
+            <a:ext cx="1800000" cy="1080000"/>
+          </a:xfrm>
+          <a:prstGeom prst="roundRect">
+            <a:avLst>
+              <a:gd name="adj" fmla="val 1174"/>
+            </a:avLst>
+          </a:prstGeom>
+          <a:solidFill>
+            <a:srgbClr val="008ABF"/>
+          </a:solidFill>
+          <a:ln w="44450" cap="flat" cmpd="sng" algn="ctr">
+            <a:noFill/>
+            <a:prstDash val="solid"/>
+          </a:ln>
+          <a:effectLst/>
+        </p:spPr>
+        <p:txBody>
+          <a:bodyPr rot="0" spcFirstLastPara="0" vertOverflow="overflow" horzOverflow="overflow" vert="horz" wrap="square" lIns="91440" tIns="45720" rIns="91440" bIns="45720" numCol="1" spcCol="0" rtlCol="0" fromWordArt="0" anchor="b" anchorCtr="0" forceAA="0" compatLnSpc="1">
+            <a:prstTxWarp prst="textNoShape">
+              <a:avLst/>
+            </a:prstTxWarp>
+            <a:noAutofit/>
+          </a:bodyPr>
+          <a:lstStyle/>
+          <a:p>
+            <a:pPr marL="0" marR="0" lvl="0" indent="0" algn="r" defTabSz="914400" eaLnBrk="1" fontAlgn="auto" latinLnBrk="0" hangingPunct="1">
+              <a:lnSpc>
+                <a:spcPct val="100000"/>
+              </a:lnSpc>
+              <a:spcBef>
+                <a:spcPts val="0"/>
+              </a:spcBef>
+              <a:spcAft>
+                <a:spcPts val="0"/>
+              </a:spcAft>
+              <a:buClrTx/>
+              <a:buSzTx/>
+              <a:buFontTx/>
+              <a:buNone/>
+              <a:tabLst/>
+              <a:defRPr/>
+            </a:pPr>
+            <a:r>
+              <a:rPr kumimoji="0" lang="en-US" sz="1200" b="1" i="0" u="none" strike="noStrike" kern="0" cap="none" spc="0" normalizeH="0" baseline="0" noProof="0" dirty="0">
+                <a:ln>
+                  <a:noFill/>
+                </a:ln>
+                <a:solidFill>
+                  <a:prstClr val="white"/>
+                </a:solidFill>
+                <a:effectLst/>
+                <a:uLnTx/>
+                <a:uFillTx/>
+                <a:latin typeface="IBM Plex Sans Condensed Text" panose="020B0506050203000203" pitchFamily="34" charset="77"/>
+                <a:ea typeface="+mn-ea"/>
+                <a:cs typeface="+mn-cs"/>
+              </a:rPr>
+              <a:t>Module Platform Local Data</a:t>
+            </a:r>
+          </a:p>
+        </p:txBody>
+      </p:sp>
+      <p:sp>
+        <p:nvSpPr>
+          <p:cNvPr id="106" name="Rounded Rectangle 105">
+            <a:extLst>
+              <a:ext uri="{FF2B5EF4-FFF2-40B4-BE49-F238E27FC236}">
+                <a16:creationId xmlns:a16="http://schemas.microsoft.com/office/drawing/2014/main" id="{92E21A86-CC03-E141-9780-1160B3850F84}"/>
+              </a:ext>
+            </a:extLst>
+          </p:cNvPr>
+          <p:cNvSpPr/>
+          <p:nvPr/>
+        </p:nvSpPr>
+        <p:spPr>
+          <a:xfrm>
+            <a:off x="681059" y="547518"/>
+            <a:ext cx="1800000" cy="1080000"/>
+          </a:xfrm>
+          <a:prstGeom prst="roundRect">
+            <a:avLst>
+              <a:gd name="adj" fmla="val 1174"/>
+            </a:avLst>
+          </a:prstGeom>
+          <a:solidFill>
+            <a:srgbClr val="EE3D96"/>
+          </a:solidFill>
+          <a:ln w="44450" cap="flat" cmpd="sng" algn="ctr">
+            <a:noFill/>
+            <a:prstDash val="solid"/>
+          </a:ln>
+          <a:effectLst/>
+        </p:spPr>
+        <p:txBody>
+          <a:bodyPr rot="0" spcFirstLastPara="0" vertOverflow="overflow" horzOverflow="overflow" vert="horz" wrap="square" lIns="91440" tIns="45720" rIns="91440" bIns="45720" numCol="1" spcCol="0" rtlCol="0" fromWordArt="0" anchor="b" anchorCtr="0" forceAA="0" compatLnSpc="1">
+            <a:prstTxWarp prst="textNoShape">
+              <a:avLst/>
+            </a:prstTxWarp>
+            <a:noAutofit/>
+          </a:bodyPr>
+          <a:lstStyle/>
+          <a:p>
+            <a:pPr marL="0" marR="0" lvl="0" indent="0" algn="r" defTabSz="914400" eaLnBrk="1" fontAlgn="auto" latinLnBrk="0" hangingPunct="1">
+              <a:lnSpc>
+                <a:spcPct val="100000"/>
+              </a:lnSpc>
+              <a:spcBef>
+                <a:spcPts val="0"/>
+              </a:spcBef>
+              <a:spcAft>
+                <a:spcPts val="0"/>
+              </a:spcAft>
+              <a:buClrTx/>
+              <a:buSzTx/>
+              <a:buFontTx/>
+              <a:buNone/>
+              <a:tabLst/>
+              <a:defRPr/>
+            </a:pPr>
+            <a:r>
+              <a:rPr kumimoji="0" lang="en-US" sz="1200" b="1" i="0" u="none" strike="noStrike" kern="0" cap="none" spc="0" normalizeH="0" baseline="0" noProof="0" dirty="0">
+                <a:ln>
+                  <a:noFill/>
+                </a:ln>
+                <a:solidFill>
+                  <a:prstClr val="white"/>
+                </a:solidFill>
+                <a:effectLst/>
+                <a:uLnTx/>
+                <a:uFillTx/>
+                <a:latin typeface="IBM Plex Sans Condensed Text" panose="020B0506050203000203" pitchFamily="34" charset="77"/>
+                <a:ea typeface="+mn-ea"/>
+                <a:cs typeface="+mn-cs"/>
+              </a:rPr>
+              <a:t>Module Legacy Application</a:t>
+            </a:r>
+          </a:p>
+        </p:txBody>
+      </p:sp>
+      <p:sp>
+        <p:nvSpPr>
+          <p:cNvPr id="107" name="Rounded Rectangle 106">
+            <a:extLst>
+              <a:ext uri="{FF2B5EF4-FFF2-40B4-BE49-F238E27FC236}">
+                <a16:creationId xmlns:a16="http://schemas.microsoft.com/office/drawing/2014/main" id="{731C1108-FAEE-8B46-8BD1-BCFAC5216F59}"/>
+              </a:ext>
+            </a:extLst>
+          </p:cNvPr>
+          <p:cNvSpPr/>
+          <p:nvPr/>
+        </p:nvSpPr>
+        <p:spPr>
+          <a:xfrm>
+            <a:off x="681059" y="3982379"/>
+            <a:ext cx="1800000" cy="1080000"/>
+          </a:xfrm>
+          <a:prstGeom prst="roundRect">
+            <a:avLst>
+              <a:gd name="adj" fmla="val 1174"/>
+            </a:avLst>
+          </a:prstGeom>
+          <a:solidFill>
+            <a:srgbClr val="7030A0"/>
+          </a:solidFill>
+          <a:ln w="44450" cap="flat" cmpd="sng" algn="ctr">
+            <a:noFill/>
+            <a:prstDash val="solid"/>
+          </a:ln>
+          <a:effectLst/>
+        </p:spPr>
+        <p:txBody>
+          <a:bodyPr rot="0" spcFirstLastPara="0" vertOverflow="overflow" horzOverflow="overflow" vert="horz" wrap="square" lIns="91440" tIns="45720" rIns="91440" bIns="45720" numCol="1" spcCol="0" rtlCol="0" fromWordArt="0" anchor="b" anchorCtr="0" forceAA="0" compatLnSpc="1">
+            <a:prstTxWarp prst="textNoShape">
+              <a:avLst/>
+            </a:prstTxWarp>
+            <a:noAutofit/>
+          </a:bodyPr>
+          <a:lstStyle/>
+          <a:p>
+            <a:pPr marL="0" marR="0" lvl="0" indent="0" algn="r" defTabSz="914400" eaLnBrk="1" fontAlgn="auto" latinLnBrk="0" hangingPunct="1">
+              <a:lnSpc>
+                <a:spcPct val="100000"/>
+              </a:lnSpc>
+              <a:spcBef>
+                <a:spcPts val="0"/>
+              </a:spcBef>
+              <a:spcAft>
+                <a:spcPts val="0"/>
+              </a:spcAft>
+              <a:buClrTx/>
+              <a:buSzTx/>
+              <a:buFontTx/>
+              <a:buNone/>
+              <a:tabLst/>
+              <a:defRPr/>
+            </a:pPr>
+            <a:r>
+              <a:rPr kumimoji="0" lang="en-US" sz="1200" b="1" i="0" u="none" strike="noStrike" kern="0" cap="none" spc="0" normalizeH="0" baseline="0" noProof="0" dirty="0">
+                <a:ln>
+                  <a:noFill/>
+                </a:ln>
+                <a:solidFill>
+                  <a:prstClr val="white"/>
+                </a:solidFill>
+                <a:effectLst/>
+                <a:uLnTx/>
+                <a:uFillTx/>
+                <a:latin typeface="IBM Plex Sans Condensed Text" panose="020B0506050203000203" pitchFamily="34" charset="77"/>
+                <a:ea typeface="+mn-ea"/>
+                <a:cs typeface="+mn-cs"/>
+              </a:rPr>
+              <a:t>Module External capabilities</a:t>
+            </a:r>
+          </a:p>
+        </p:txBody>
+      </p:sp>
+    </p:spTree>
+    <p:extLst>
+      <p:ext uri="{BB962C8B-B14F-4D97-AF65-F5344CB8AC3E}">
+        <p14:creationId xmlns:p14="http://schemas.microsoft.com/office/powerpoint/2010/main" val="2117574930"/>
+      </p:ext>
+    </p:extLst>
+  </p:cSld>
+  <p:clrMapOvr>
+    <a:masterClrMapping/>
+  </p:clrMapOvr>
+</p:sld>
+</file>
+
+<file path=ppt/slides/slide2.xml><?xml version="1.0" encoding="utf-8"?>
+<p:sld xmlns:a="http://schemas.openxmlformats.org/drawingml/2006/main" xmlns:r="http://schemas.openxmlformats.org/officeDocument/2006/relationships" xmlns:p="http://schemas.openxmlformats.org/presentationml/2006/main">
+  <p:cSld>
+    <p:spTree>
+      <p:nvGrpSpPr>
+        <p:cNvPr id="1" name=""/>
+        <p:cNvGrpSpPr/>
+        <p:nvPr/>
+      </p:nvGrpSpPr>
+      <p:grpSpPr>
+        <a:xfrm>
+          <a:off x="0" y="0"/>
+          <a:ext cx="0" cy="0"/>
+          <a:chOff x="0" y="0"/>
+          <a:chExt cx="0" cy="0"/>
+        </a:xfrm>
+      </p:grpSpPr>
+      <p:sp>
+        <p:nvSpPr>
+          <p:cNvPr id="54" name="Rounded Rectangle 53">
+            <a:extLst>
+              <a:ext uri="{FF2B5EF4-FFF2-40B4-BE49-F238E27FC236}">
+                <a16:creationId xmlns:a16="http://schemas.microsoft.com/office/drawing/2014/main" id="{20011708-BCA6-3143-AAB8-8A885422C783}"/>
+              </a:ext>
+            </a:extLst>
+          </p:cNvPr>
+          <p:cNvSpPr/>
+          <p:nvPr/>
+        </p:nvSpPr>
+        <p:spPr>
+          <a:xfrm>
             <a:off x="5048987" y="970203"/>
             <a:ext cx="6918380" cy="5751172"/>
           </a:xfrm>
@@ -6979,7 +7869,7 @@
     </p:spTree>
     <p:extLst>
       <p:ext uri="{BB962C8B-B14F-4D97-AF65-F5344CB8AC3E}">
-        <p14:creationId xmlns:p14="http://schemas.microsoft.com/office/powerpoint/2010/main" val="2117574930"/>
+        <p14:creationId xmlns:p14="http://schemas.microsoft.com/office/powerpoint/2010/main" val="1143169400"/>
       </p:ext>
     </p:extLst>
   </p:cSld>
